--- a/Presentations/NPDS_Mongo.pptx
+++ b/Presentations/NPDS_Mongo.pptx
@@ -11,6 +11,7 @@
     <p:sldId id="260" r:id="rId5"/>
     <p:sldId id="259" r:id="rId6"/>
     <p:sldId id="261" r:id="rId7"/>
+    <p:sldId id="262" r:id="rId8"/>
   </p:sldIdLst>
   <p:sldSz cx="12192000" cy="6858000"/>
   <p:notesSz cx="6858000" cy="9144000"/>
@@ -109,6 +110,11 @@
       </a:defRPr>
     </a:lvl9pPr>
   </p:defaultTextStyle>
+  <p:extLst>
+    <p:ext uri="{EFAFB233-063F-42B5-8137-9DF3F51BA10A}">
+      <p15:sldGuideLst xmlns:p15="http://schemas.microsoft.com/office/powerpoint/2012/main"/>
+    </p:ext>
+  </p:extLst>
 </p:presentation>
 </file>
 
@@ -157,7 +163,6 @@
               <a:rPr lang="en-US"/>
               <a:t>Click to edit Master title style</a:t>
             </a:r>
-            <a:endParaRPr lang="en-US"/>
           </a:p>
         </p:txBody>
       </p:sp>
@@ -222,7 +227,6 @@
               <a:rPr lang="en-US"/>
               <a:t>Click to edit Master subtitle style</a:t>
             </a:r>
-            <a:endParaRPr lang="en-US"/>
           </a:p>
         </p:txBody>
       </p:sp>
@@ -340,7 +344,6 @@
               <a:rPr lang="en-US"/>
               <a:t>Click to edit Master title style</a:t>
             </a:r>
-            <a:endParaRPr lang="en-US"/>
           </a:p>
         </p:txBody>
       </p:sp>
@@ -392,7 +395,6 @@
               <a:rPr lang="en-US"/>
               <a:t>Fifth level</a:t>
             </a:r>
-            <a:endParaRPr lang="en-US"/>
           </a:p>
         </p:txBody>
       </p:sp>
@@ -515,7 +517,6 @@
               <a:rPr lang="en-US"/>
               <a:t>Click to edit Master title style</a:t>
             </a:r>
-            <a:endParaRPr lang="en-US"/>
           </a:p>
         </p:txBody>
       </p:sp>
@@ -572,7 +573,6 @@
               <a:rPr lang="en-US"/>
               <a:t>Fifth level</a:t>
             </a:r>
-            <a:endParaRPr lang="en-US"/>
           </a:p>
         </p:txBody>
       </p:sp>
@@ -690,7 +690,6 @@
               <a:rPr lang="en-US"/>
               <a:t>Click to edit Master title style</a:t>
             </a:r>
-            <a:endParaRPr lang="en-US"/>
           </a:p>
         </p:txBody>
       </p:sp>
@@ -742,7 +741,6 @@
               <a:rPr lang="en-US"/>
               <a:t>Fifth level</a:t>
             </a:r>
-            <a:endParaRPr lang="en-US"/>
           </a:p>
         </p:txBody>
       </p:sp>
@@ -869,7 +867,6 @@
               <a:rPr lang="en-US"/>
               <a:t>Click to edit Master title style</a:t>
             </a:r>
-            <a:endParaRPr lang="en-US"/>
           </a:p>
         </p:txBody>
       </p:sp>
@@ -1106,7 +1103,6 @@
               <a:rPr lang="en-US"/>
               <a:t>Click to edit Master title style</a:t>
             </a:r>
-            <a:endParaRPr lang="en-US"/>
           </a:p>
         </p:txBody>
       </p:sp>
@@ -1163,7 +1159,6 @@
               <a:rPr lang="en-US"/>
               <a:t>Fifth level</a:t>
             </a:r>
-            <a:endParaRPr lang="en-US"/>
           </a:p>
         </p:txBody>
       </p:sp>
@@ -1220,7 +1215,6 @@
               <a:rPr lang="en-US"/>
               <a:t>Fifth level</a:t>
             </a:r>
-            <a:endParaRPr lang="en-US"/>
           </a:p>
         </p:txBody>
       </p:sp>
@@ -1343,7 +1337,6 @@
               <a:rPr lang="en-US"/>
               <a:t>Click to edit Master title style</a:t>
             </a:r>
-            <a:endParaRPr lang="en-US"/>
           </a:p>
         </p:txBody>
       </p:sp>
@@ -1465,7 +1458,6 @@
               <a:rPr lang="en-US"/>
               <a:t>Fifth level</a:t>
             </a:r>
-            <a:endParaRPr lang="en-US"/>
           </a:p>
         </p:txBody>
       </p:sp>
@@ -1587,7 +1579,6 @@
               <a:rPr lang="en-US"/>
               <a:t>Fifth level</a:t>
             </a:r>
-            <a:endParaRPr lang="en-US"/>
           </a:p>
         </p:txBody>
       </p:sp>
@@ -1705,7 +1696,6 @@
               <a:rPr lang="en-US"/>
               <a:t>Click to edit Master title style</a:t>
             </a:r>
-            <a:endParaRPr lang="en-US"/>
           </a:p>
         </p:txBody>
       </p:sp>
@@ -1927,7 +1917,6 @@
               <a:rPr lang="en-US"/>
               <a:t>Click to edit Master title style</a:t>
             </a:r>
-            <a:endParaRPr lang="en-US"/>
           </a:p>
         </p:txBody>
       </p:sp>
@@ -2012,7 +2001,6 @@
               <a:rPr lang="en-US"/>
               <a:t>Fifth level</a:t>
             </a:r>
-            <a:endParaRPr lang="en-US"/>
           </a:p>
         </p:txBody>
       </p:sp>
@@ -2204,7 +2192,6 @@
               <a:rPr lang="en-US"/>
               <a:t>Click to edit Master title style</a:t>
             </a:r>
-            <a:endParaRPr lang="en-US"/>
           </a:p>
         </p:txBody>
       </p:sp>
@@ -2463,7 +2450,6 @@
               <a:rPr lang="en-US"/>
               <a:t>Click to edit Master title style</a:t>
             </a:r>
-            <a:endParaRPr lang="en-US"/>
           </a:p>
         </p:txBody>
       </p:sp>
@@ -2525,7 +2511,6 @@
               <a:rPr lang="en-US"/>
               <a:t>Fifth level</a:t>
             </a:r>
-            <a:endParaRPr lang="en-US"/>
           </a:p>
         </p:txBody>
       </p:sp>
@@ -4012,6 +3997,868 @@
 </p:sld>
 </file>
 
+<file path=ppt/slides/slide7.xml><?xml version="1.0" encoding="utf-8"?>
+<p:sld xmlns:a="http://schemas.openxmlformats.org/drawingml/2006/main" xmlns:r="http://schemas.openxmlformats.org/officeDocument/2006/relationships" xmlns:p="http://schemas.openxmlformats.org/presentationml/2006/main">
+  <p:cSld>
+    <p:spTree>
+      <p:nvGrpSpPr>
+        <p:cNvPr id="1" name=""/>
+        <p:cNvGrpSpPr/>
+        <p:nvPr/>
+      </p:nvGrpSpPr>
+      <p:grpSpPr>
+        <a:xfrm>
+          <a:off x="0" y="0"/>
+          <a:ext cx="0" cy="0"/>
+          <a:chOff x="0" y="0"/>
+          <a:chExt cx="0" cy="0"/>
+        </a:xfrm>
+      </p:grpSpPr>
+      <p:sp>
+        <p:nvSpPr>
+          <p:cNvPr id="4" name="TextBox 3"/>
+          <p:cNvSpPr txBox="1"/>
+          <p:nvPr/>
+        </p:nvSpPr>
+        <p:spPr>
+          <a:xfrm>
+            <a:off x="888023" y="2543152"/>
+            <a:ext cx="1296830" cy="646331"/>
+          </a:xfrm>
+          <a:prstGeom prst="rect">
+            <a:avLst/>
+          </a:prstGeom>
+          <a:noFill/>
+        </p:spPr>
+        <p:txBody>
+          <a:bodyPr wrap="none" rtlCol="0">
+            <a:spAutoFit/>
+          </a:bodyPr>
+          <a:lstStyle/>
+          <a:p>
+            <a:r>
+              <a:rPr lang="en-US" dirty="0"/>
+              <a:t>Resource</a:t>
+            </a:r>
+          </a:p>
+          <a:p>
+            <a:r>
+              <a:rPr lang="en-US" dirty="0"/>
+              <a:t>Information</a:t>
+            </a:r>
+          </a:p>
+        </p:txBody>
+      </p:sp>
+      <p:sp>
+        <p:nvSpPr>
+          <p:cNvPr id="5" name="TextBox 4"/>
+          <p:cNvSpPr txBox="1"/>
+          <p:nvPr/>
+        </p:nvSpPr>
+        <p:spPr>
+          <a:xfrm>
+            <a:off x="2734408" y="1848501"/>
+            <a:ext cx="1973938" cy="2308324"/>
+          </a:xfrm>
+          <a:prstGeom prst="rect">
+            <a:avLst/>
+          </a:prstGeom>
+          <a:noFill/>
+        </p:spPr>
+        <p:txBody>
+          <a:bodyPr wrap="none" rtlCol="0">
+            <a:spAutoFit/>
+          </a:bodyPr>
+          <a:lstStyle/>
+          <a:p>
+            <a:r>
+              <a:rPr lang="en-US" dirty="0"/>
+              <a:t>Entity Metadata</a:t>
+            </a:r>
+          </a:p>
+          <a:p>
+            <a:endParaRPr lang="en-US" dirty="0"/>
+          </a:p>
+          <a:p>
+            <a:r>
+              <a:rPr lang="en-US" dirty="0"/>
+              <a:t>Record Metadata</a:t>
+            </a:r>
+          </a:p>
+          <a:p>
+            <a:endParaRPr lang="en-US" dirty="0"/>
+          </a:p>
+          <a:p>
+            <a:r>
+              <a:rPr lang="en-US" dirty="0"/>
+              <a:t>Representation </a:t>
+            </a:r>
+          </a:p>
+          <a:p>
+            <a:r>
+              <a:rPr lang="en-US" dirty="0"/>
+              <a:t>Metadata</a:t>
+            </a:r>
+          </a:p>
+          <a:p>
+            <a:endParaRPr lang="en-US" dirty="0"/>
+          </a:p>
+          <a:p>
+            <a:r>
+              <a:rPr lang="en-US" dirty="0"/>
+              <a:t>Message Metadata</a:t>
+            </a:r>
+          </a:p>
+        </p:txBody>
+      </p:sp>
+      <p:cxnSp>
+        <p:nvCxnSpPr>
+          <p:cNvPr id="7" name="Straight Arrow Connector 6"/>
+          <p:cNvCxnSpPr/>
+          <p:nvPr/>
+        </p:nvCxnSpPr>
+        <p:spPr>
+          <a:xfrm flipV="1">
+            <a:off x="2279352" y="2866315"/>
+            <a:ext cx="356124" cy="1"/>
+          </a:xfrm>
+          <a:prstGeom prst="straightConnector1">
+            <a:avLst/>
+          </a:prstGeom>
+          <a:ln w="38100">
+            <a:solidFill>
+              <a:schemeClr val="tx1"/>
+            </a:solidFill>
+            <a:tailEnd type="triangle"/>
+          </a:ln>
+        </p:spPr>
+        <p:style>
+          <a:lnRef idx="1">
+            <a:schemeClr val="accent1"/>
+          </a:lnRef>
+          <a:fillRef idx="0">
+            <a:schemeClr val="accent1"/>
+          </a:fillRef>
+          <a:effectRef idx="0">
+            <a:schemeClr val="accent1"/>
+          </a:effectRef>
+          <a:fontRef idx="minor">
+            <a:schemeClr val="tx1"/>
+          </a:fontRef>
+        </p:style>
+      </p:cxnSp>
+      <p:sp>
+        <p:nvSpPr>
+          <p:cNvPr id="8" name="TextBox 7"/>
+          <p:cNvSpPr txBox="1"/>
+          <p:nvPr/>
+        </p:nvSpPr>
+        <p:spPr>
+          <a:xfrm>
+            <a:off x="5813032" y="2543152"/>
+            <a:ext cx="837602" cy="646331"/>
+          </a:xfrm>
+          <a:prstGeom prst="rect">
+            <a:avLst/>
+          </a:prstGeom>
+          <a:noFill/>
+        </p:spPr>
+        <p:txBody>
+          <a:bodyPr wrap="none" rtlCol="0">
+            <a:spAutoFit/>
+          </a:bodyPr>
+          <a:lstStyle/>
+          <a:p>
+            <a:r>
+              <a:rPr lang="en-US" dirty="0"/>
+              <a:t>XML</a:t>
+            </a:r>
+          </a:p>
+          <a:p>
+            <a:r>
+              <a:rPr lang="en-US" dirty="0"/>
+              <a:t>Record</a:t>
+            </a:r>
+          </a:p>
+        </p:txBody>
+      </p:sp>
+      <p:sp>
+        <p:nvSpPr>
+          <p:cNvPr id="9" name="TextBox 8"/>
+          <p:cNvSpPr txBox="1"/>
+          <p:nvPr/>
+        </p:nvSpPr>
+        <p:spPr>
+          <a:xfrm>
+            <a:off x="8361783" y="2679498"/>
+            <a:ext cx="1122423" cy="369332"/>
+          </a:xfrm>
+          <a:prstGeom prst="rect">
+            <a:avLst/>
+          </a:prstGeom>
+          <a:noFill/>
+        </p:spPr>
+        <p:txBody>
+          <a:bodyPr wrap="none" rtlCol="0">
+            <a:spAutoFit/>
+          </a:bodyPr>
+          <a:lstStyle/>
+          <a:p>
+            <a:r>
+              <a:rPr lang="en-US" dirty="0"/>
+              <a:t>MongoDB</a:t>
+            </a:r>
+          </a:p>
+        </p:txBody>
+      </p:sp>
+      <p:sp>
+        <p:nvSpPr>
+          <p:cNvPr id="10" name="TextBox 9"/>
+          <p:cNvSpPr txBox="1"/>
+          <p:nvPr/>
+        </p:nvSpPr>
+        <p:spPr>
+          <a:xfrm>
+            <a:off x="7148743" y="2540999"/>
+            <a:ext cx="837602" cy="646331"/>
+          </a:xfrm>
+          <a:prstGeom prst="rect">
+            <a:avLst/>
+          </a:prstGeom>
+          <a:noFill/>
+        </p:spPr>
+        <p:txBody>
+          <a:bodyPr wrap="none" rtlCol="0">
+            <a:spAutoFit/>
+          </a:bodyPr>
+          <a:lstStyle/>
+          <a:p>
+            <a:r>
+              <a:rPr lang="en-US" dirty="0"/>
+              <a:t>JSON</a:t>
+            </a:r>
+          </a:p>
+          <a:p>
+            <a:r>
+              <a:rPr lang="en-US" dirty="0"/>
+              <a:t>Record</a:t>
+            </a:r>
+          </a:p>
+        </p:txBody>
+      </p:sp>
+      <p:cxnSp>
+        <p:nvCxnSpPr>
+          <p:cNvPr id="13" name="Straight Arrow Connector 12"/>
+          <p:cNvCxnSpPr/>
+          <p:nvPr/>
+        </p:nvCxnSpPr>
+        <p:spPr>
+          <a:xfrm>
+            <a:off x="4518462" y="2031023"/>
+            <a:ext cx="1091030" cy="648475"/>
+          </a:xfrm>
+          <a:prstGeom prst="straightConnector1">
+            <a:avLst/>
+          </a:prstGeom>
+          <a:ln w="38100">
+            <a:solidFill>
+              <a:schemeClr val="tx1"/>
+            </a:solidFill>
+            <a:tailEnd type="triangle"/>
+          </a:ln>
+        </p:spPr>
+        <p:style>
+          <a:lnRef idx="1">
+            <a:schemeClr val="accent1"/>
+          </a:lnRef>
+          <a:fillRef idx="0">
+            <a:schemeClr val="accent1"/>
+          </a:fillRef>
+          <a:effectRef idx="0">
+            <a:schemeClr val="accent1"/>
+          </a:effectRef>
+          <a:fontRef idx="minor">
+            <a:schemeClr val="tx1"/>
+          </a:fontRef>
+        </p:style>
+      </p:cxnSp>
+      <p:cxnSp>
+        <p:nvCxnSpPr>
+          <p:cNvPr id="17" name="Straight Arrow Connector 16"/>
+          <p:cNvCxnSpPr/>
+          <p:nvPr/>
+        </p:nvCxnSpPr>
+        <p:spPr>
+          <a:xfrm>
+            <a:off x="4520539" y="2572721"/>
+            <a:ext cx="1060331" cy="291442"/>
+          </a:xfrm>
+          <a:prstGeom prst="straightConnector1">
+            <a:avLst/>
+          </a:prstGeom>
+          <a:ln w="38100">
+            <a:solidFill>
+              <a:schemeClr val="tx1"/>
+            </a:solidFill>
+            <a:tailEnd type="triangle"/>
+          </a:ln>
+        </p:spPr>
+        <p:style>
+          <a:lnRef idx="1">
+            <a:schemeClr val="accent1"/>
+          </a:lnRef>
+          <a:fillRef idx="0">
+            <a:schemeClr val="accent1"/>
+          </a:fillRef>
+          <a:effectRef idx="0">
+            <a:schemeClr val="accent1"/>
+          </a:effectRef>
+          <a:fontRef idx="minor">
+            <a:schemeClr val="tx1"/>
+          </a:fontRef>
+        </p:style>
+      </p:cxnSp>
+      <p:cxnSp>
+        <p:nvCxnSpPr>
+          <p:cNvPr id="19" name="Straight Arrow Connector 18"/>
+          <p:cNvCxnSpPr>
+            <a:stCxn id="38" idx="3"/>
+          </p:cNvCxnSpPr>
+          <p:nvPr/>
+        </p:nvCxnSpPr>
+        <p:spPr>
+          <a:xfrm flipV="1">
+            <a:off x="4500021" y="3048830"/>
+            <a:ext cx="1080849" cy="189315"/>
+          </a:xfrm>
+          <a:prstGeom prst="straightConnector1">
+            <a:avLst/>
+          </a:prstGeom>
+          <a:ln w="38100">
+            <a:solidFill>
+              <a:schemeClr val="tx1"/>
+            </a:solidFill>
+            <a:tailEnd type="triangle"/>
+          </a:ln>
+        </p:spPr>
+        <p:style>
+          <a:lnRef idx="1">
+            <a:schemeClr val="accent1"/>
+          </a:lnRef>
+          <a:fillRef idx="0">
+            <a:schemeClr val="accent1"/>
+          </a:fillRef>
+          <a:effectRef idx="0">
+            <a:schemeClr val="accent1"/>
+          </a:effectRef>
+          <a:fontRef idx="minor">
+            <a:schemeClr val="tx1"/>
+          </a:fontRef>
+        </p:style>
+      </p:cxnSp>
+      <p:cxnSp>
+        <p:nvCxnSpPr>
+          <p:cNvPr id="22" name="Straight Arrow Connector 21"/>
+          <p:cNvCxnSpPr/>
+          <p:nvPr/>
+        </p:nvCxnSpPr>
+        <p:spPr>
+          <a:xfrm flipV="1">
+            <a:off x="4679724" y="3159975"/>
+            <a:ext cx="957866" cy="774272"/>
+          </a:xfrm>
+          <a:prstGeom prst="straightConnector1">
+            <a:avLst/>
+          </a:prstGeom>
+          <a:ln w="38100">
+            <a:solidFill>
+              <a:schemeClr val="tx1"/>
+            </a:solidFill>
+            <a:tailEnd type="triangle"/>
+          </a:ln>
+        </p:spPr>
+        <p:style>
+          <a:lnRef idx="1">
+            <a:schemeClr val="accent1"/>
+          </a:lnRef>
+          <a:fillRef idx="0">
+            <a:schemeClr val="accent1"/>
+          </a:fillRef>
+          <a:effectRef idx="0">
+            <a:schemeClr val="accent1"/>
+          </a:effectRef>
+          <a:fontRef idx="minor">
+            <a:schemeClr val="tx1"/>
+          </a:fontRef>
+        </p:style>
+      </p:cxnSp>
+      <p:cxnSp>
+        <p:nvCxnSpPr>
+          <p:cNvPr id="33" name="Straight Arrow Connector 32"/>
+          <p:cNvCxnSpPr/>
+          <p:nvPr/>
+        </p:nvCxnSpPr>
+        <p:spPr>
+          <a:xfrm flipV="1">
+            <a:off x="6705771" y="2864163"/>
+            <a:ext cx="356124" cy="1"/>
+          </a:xfrm>
+          <a:prstGeom prst="straightConnector1">
+            <a:avLst/>
+          </a:prstGeom>
+          <a:ln w="38100">
+            <a:solidFill>
+              <a:schemeClr val="tx1"/>
+            </a:solidFill>
+            <a:tailEnd type="triangle"/>
+          </a:ln>
+        </p:spPr>
+        <p:style>
+          <a:lnRef idx="1">
+            <a:schemeClr val="accent1"/>
+          </a:lnRef>
+          <a:fillRef idx="0">
+            <a:schemeClr val="accent1"/>
+          </a:fillRef>
+          <a:effectRef idx="0">
+            <a:schemeClr val="accent1"/>
+          </a:effectRef>
+          <a:fontRef idx="minor">
+            <a:schemeClr val="tx1"/>
+          </a:fontRef>
+        </p:style>
+      </p:cxnSp>
+      <p:cxnSp>
+        <p:nvCxnSpPr>
+          <p:cNvPr id="34" name="Straight Arrow Connector 33"/>
+          <p:cNvCxnSpPr/>
+          <p:nvPr/>
+        </p:nvCxnSpPr>
+        <p:spPr>
+          <a:xfrm flipV="1">
+            <a:off x="8029763" y="2848029"/>
+            <a:ext cx="356124" cy="1"/>
+          </a:xfrm>
+          <a:prstGeom prst="straightConnector1">
+            <a:avLst/>
+          </a:prstGeom>
+          <a:ln w="38100">
+            <a:solidFill>
+              <a:schemeClr val="tx1"/>
+            </a:solidFill>
+            <a:tailEnd type="triangle"/>
+          </a:ln>
+        </p:spPr>
+        <p:style>
+          <a:lnRef idx="1">
+            <a:schemeClr val="accent1"/>
+          </a:lnRef>
+          <a:fillRef idx="0">
+            <a:schemeClr val="accent1"/>
+          </a:fillRef>
+          <a:effectRef idx="0">
+            <a:schemeClr val="accent1"/>
+          </a:effectRef>
+          <a:fontRef idx="minor">
+            <a:schemeClr val="tx1"/>
+          </a:fontRef>
+        </p:style>
+      </p:cxnSp>
+      <p:sp>
+        <p:nvSpPr>
+          <p:cNvPr id="35" name="Rectangle 34"/>
+          <p:cNvSpPr/>
+          <p:nvPr/>
+        </p:nvSpPr>
+        <p:spPr>
+          <a:xfrm>
+            <a:off x="2739483" y="1863969"/>
+            <a:ext cx="1758461" cy="334108"/>
+          </a:xfrm>
+          <a:prstGeom prst="rect">
+            <a:avLst/>
+          </a:prstGeom>
+          <a:noFill/>
+          <a:ln w="38100">
+            <a:solidFill>
+              <a:schemeClr val="tx1">
+                <a:lumMod val="50000"/>
+                <a:lumOff val="50000"/>
+              </a:schemeClr>
+            </a:solidFill>
+          </a:ln>
+        </p:spPr>
+        <p:style>
+          <a:lnRef idx="2">
+            <a:schemeClr val="accent1">
+              <a:shade val="50000"/>
+            </a:schemeClr>
+          </a:lnRef>
+          <a:fillRef idx="1">
+            <a:schemeClr val="accent1"/>
+          </a:fillRef>
+          <a:effectRef idx="0">
+            <a:schemeClr val="accent1"/>
+          </a:effectRef>
+          <a:fontRef idx="minor">
+            <a:schemeClr val="lt1"/>
+          </a:fontRef>
+        </p:style>
+        <p:txBody>
+          <a:bodyPr rtlCol="0" anchor="ctr"/>
+          <a:lstStyle/>
+          <a:p>
+            <a:pPr algn="ctr"/>
+            <a:endParaRPr lang="en-US"/>
+          </a:p>
+        </p:txBody>
+      </p:sp>
+      <p:sp>
+        <p:nvSpPr>
+          <p:cNvPr id="37" name="Rectangle 36"/>
+          <p:cNvSpPr/>
+          <p:nvPr/>
+        </p:nvSpPr>
+        <p:spPr>
+          <a:xfrm>
+            <a:off x="2741560" y="2405667"/>
+            <a:ext cx="1758461" cy="334108"/>
+          </a:xfrm>
+          <a:prstGeom prst="rect">
+            <a:avLst/>
+          </a:prstGeom>
+          <a:noFill/>
+          <a:ln w="38100">
+            <a:solidFill>
+              <a:schemeClr val="tx1">
+                <a:lumMod val="50000"/>
+                <a:lumOff val="50000"/>
+              </a:schemeClr>
+            </a:solidFill>
+          </a:ln>
+        </p:spPr>
+        <p:style>
+          <a:lnRef idx="2">
+            <a:schemeClr val="accent1">
+              <a:shade val="50000"/>
+            </a:schemeClr>
+          </a:lnRef>
+          <a:fillRef idx="1">
+            <a:schemeClr val="accent1"/>
+          </a:fillRef>
+          <a:effectRef idx="0">
+            <a:schemeClr val="accent1"/>
+          </a:effectRef>
+          <a:fontRef idx="minor">
+            <a:schemeClr val="lt1"/>
+          </a:fontRef>
+        </p:style>
+        <p:txBody>
+          <a:bodyPr rtlCol="0" anchor="ctr"/>
+          <a:lstStyle/>
+          <a:p>
+            <a:pPr algn="ctr"/>
+            <a:endParaRPr lang="en-US"/>
+          </a:p>
+        </p:txBody>
+      </p:sp>
+      <p:sp>
+        <p:nvSpPr>
+          <p:cNvPr id="38" name="Rectangle 37"/>
+          <p:cNvSpPr/>
+          <p:nvPr/>
+        </p:nvSpPr>
+        <p:spPr>
+          <a:xfrm>
+            <a:off x="2741560" y="2930572"/>
+            <a:ext cx="1758461" cy="615146"/>
+          </a:xfrm>
+          <a:prstGeom prst="rect">
+            <a:avLst/>
+          </a:prstGeom>
+          <a:noFill/>
+          <a:ln w="38100">
+            <a:solidFill>
+              <a:schemeClr val="tx1">
+                <a:lumMod val="50000"/>
+                <a:lumOff val="50000"/>
+              </a:schemeClr>
+            </a:solidFill>
+          </a:ln>
+        </p:spPr>
+        <p:style>
+          <a:lnRef idx="2">
+            <a:schemeClr val="accent1">
+              <a:shade val="50000"/>
+            </a:schemeClr>
+          </a:lnRef>
+          <a:fillRef idx="1">
+            <a:schemeClr val="accent1"/>
+          </a:fillRef>
+          <a:effectRef idx="0">
+            <a:schemeClr val="accent1"/>
+          </a:effectRef>
+          <a:fontRef idx="minor">
+            <a:schemeClr val="lt1"/>
+          </a:fontRef>
+        </p:style>
+        <p:txBody>
+          <a:bodyPr rtlCol="0" anchor="ctr"/>
+          <a:lstStyle/>
+          <a:p>
+            <a:pPr algn="ctr"/>
+            <a:endParaRPr lang="en-US"/>
+          </a:p>
+        </p:txBody>
+      </p:sp>
+      <p:sp>
+        <p:nvSpPr>
+          <p:cNvPr id="39" name="Rectangle 38"/>
+          <p:cNvSpPr/>
+          <p:nvPr/>
+        </p:nvSpPr>
+        <p:spPr>
+          <a:xfrm>
+            <a:off x="2734408" y="3767192"/>
+            <a:ext cx="1907930" cy="334108"/>
+          </a:xfrm>
+          <a:prstGeom prst="rect">
+            <a:avLst/>
+          </a:prstGeom>
+          <a:noFill/>
+          <a:ln w="38100">
+            <a:solidFill>
+              <a:schemeClr val="tx1">
+                <a:lumMod val="50000"/>
+                <a:lumOff val="50000"/>
+              </a:schemeClr>
+            </a:solidFill>
+          </a:ln>
+        </p:spPr>
+        <p:style>
+          <a:lnRef idx="2">
+            <a:schemeClr val="accent1">
+              <a:shade val="50000"/>
+            </a:schemeClr>
+          </a:lnRef>
+          <a:fillRef idx="1">
+            <a:schemeClr val="accent1"/>
+          </a:fillRef>
+          <a:effectRef idx="0">
+            <a:schemeClr val="accent1"/>
+          </a:effectRef>
+          <a:fontRef idx="minor">
+            <a:schemeClr val="lt1"/>
+          </a:fontRef>
+        </p:style>
+        <p:txBody>
+          <a:bodyPr rtlCol="0" anchor="ctr"/>
+          <a:lstStyle/>
+          <a:p>
+            <a:pPr algn="ctr"/>
+            <a:endParaRPr lang="en-US"/>
+          </a:p>
+        </p:txBody>
+      </p:sp>
+      <p:sp>
+        <p:nvSpPr>
+          <p:cNvPr id="44" name="Rectangle 43"/>
+          <p:cNvSpPr/>
+          <p:nvPr/>
+        </p:nvSpPr>
+        <p:spPr>
+          <a:xfrm>
+            <a:off x="900433" y="2367551"/>
+            <a:ext cx="1256248" cy="960957"/>
+          </a:xfrm>
+          <a:prstGeom prst="rect">
+            <a:avLst/>
+          </a:prstGeom>
+          <a:noFill/>
+          <a:ln w="38100">
+            <a:solidFill>
+              <a:schemeClr val="tx1"/>
+            </a:solidFill>
+          </a:ln>
+        </p:spPr>
+        <p:style>
+          <a:lnRef idx="2">
+            <a:schemeClr val="accent1">
+              <a:shade val="50000"/>
+            </a:schemeClr>
+          </a:lnRef>
+          <a:fillRef idx="1">
+            <a:schemeClr val="accent1"/>
+          </a:fillRef>
+          <a:effectRef idx="0">
+            <a:schemeClr val="accent1"/>
+          </a:effectRef>
+          <a:fontRef idx="minor">
+            <a:schemeClr val="lt1"/>
+          </a:fontRef>
+        </p:style>
+        <p:txBody>
+          <a:bodyPr rtlCol="0" anchor="ctr"/>
+          <a:lstStyle/>
+          <a:p>
+            <a:pPr algn="ctr"/>
+            <a:endParaRPr lang="en-US"/>
+          </a:p>
+        </p:txBody>
+      </p:sp>
+      <p:sp>
+        <p:nvSpPr>
+          <p:cNvPr id="45" name="Rectangle 44"/>
+          <p:cNvSpPr/>
+          <p:nvPr/>
+        </p:nvSpPr>
+        <p:spPr>
+          <a:xfrm>
+            <a:off x="7082413" y="2552217"/>
+            <a:ext cx="913589" cy="623892"/>
+          </a:xfrm>
+          <a:prstGeom prst="rect">
+            <a:avLst/>
+          </a:prstGeom>
+          <a:noFill/>
+          <a:ln w="38100">
+            <a:solidFill>
+              <a:srgbClr val="C00000"/>
+            </a:solidFill>
+          </a:ln>
+        </p:spPr>
+        <p:style>
+          <a:lnRef idx="2">
+            <a:schemeClr val="accent1">
+              <a:shade val="50000"/>
+            </a:schemeClr>
+          </a:lnRef>
+          <a:fillRef idx="1">
+            <a:schemeClr val="accent1"/>
+          </a:fillRef>
+          <a:effectRef idx="0">
+            <a:schemeClr val="accent1"/>
+          </a:effectRef>
+          <a:fontRef idx="minor">
+            <a:schemeClr val="lt1"/>
+          </a:fontRef>
+        </p:style>
+        <p:txBody>
+          <a:bodyPr rtlCol="0" anchor="ctr"/>
+          <a:lstStyle/>
+          <a:p>
+            <a:pPr algn="ctr"/>
+            <a:endParaRPr lang="en-US"/>
+          </a:p>
+        </p:txBody>
+      </p:sp>
+      <p:sp>
+        <p:nvSpPr>
+          <p:cNvPr id="46" name="Rectangle 45"/>
+          <p:cNvSpPr/>
+          <p:nvPr/>
+        </p:nvSpPr>
+        <p:spPr>
+          <a:xfrm>
+            <a:off x="8409990" y="2544588"/>
+            <a:ext cx="1034737" cy="623892"/>
+          </a:xfrm>
+          <a:prstGeom prst="rect">
+            <a:avLst/>
+          </a:prstGeom>
+          <a:noFill/>
+          <a:ln w="38100">
+            <a:solidFill>
+              <a:schemeClr val="accent6">
+                <a:lumMod val="50000"/>
+              </a:schemeClr>
+            </a:solidFill>
+          </a:ln>
+        </p:spPr>
+        <p:style>
+          <a:lnRef idx="2">
+            <a:schemeClr val="accent1">
+              <a:shade val="50000"/>
+            </a:schemeClr>
+          </a:lnRef>
+          <a:fillRef idx="1">
+            <a:schemeClr val="accent1"/>
+          </a:fillRef>
+          <a:effectRef idx="0">
+            <a:schemeClr val="accent1"/>
+          </a:effectRef>
+          <a:fontRef idx="minor">
+            <a:schemeClr val="lt1"/>
+          </a:fontRef>
+        </p:style>
+        <p:txBody>
+          <a:bodyPr rtlCol="0" anchor="ctr"/>
+          <a:lstStyle/>
+          <a:p>
+            <a:pPr algn="ctr"/>
+            <a:endParaRPr lang="en-US"/>
+          </a:p>
+        </p:txBody>
+      </p:sp>
+      <p:sp>
+        <p:nvSpPr>
+          <p:cNvPr id="47" name="Rectangle 46"/>
+          <p:cNvSpPr/>
+          <p:nvPr/>
+        </p:nvSpPr>
+        <p:spPr>
+          <a:xfrm>
+            <a:off x="5789195" y="2536083"/>
+            <a:ext cx="873881" cy="623892"/>
+          </a:xfrm>
+          <a:prstGeom prst="rect">
+            <a:avLst/>
+          </a:prstGeom>
+          <a:noFill/>
+          <a:ln w="38100">
+            <a:solidFill>
+              <a:srgbClr val="002060"/>
+            </a:solidFill>
+          </a:ln>
+        </p:spPr>
+        <p:style>
+          <a:lnRef idx="2">
+            <a:schemeClr val="accent1">
+              <a:shade val="50000"/>
+            </a:schemeClr>
+          </a:lnRef>
+          <a:fillRef idx="1">
+            <a:schemeClr val="accent1"/>
+          </a:fillRef>
+          <a:effectRef idx="0">
+            <a:schemeClr val="accent1"/>
+          </a:effectRef>
+          <a:fontRef idx="minor">
+            <a:schemeClr val="lt1"/>
+          </a:fontRef>
+        </p:style>
+        <p:txBody>
+          <a:bodyPr rtlCol="0" anchor="ctr"/>
+          <a:lstStyle/>
+          <a:p>
+            <a:pPr algn="ctr"/>
+            <a:endParaRPr lang="en-US"/>
+          </a:p>
+        </p:txBody>
+      </p:sp>
+    </p:spTree>
+    <p:extLst>
+      <p:ext uri="{BB962C8B-B14F-4D97-AF65-F5344CB8AC3E}">
+        <p14:creationId xmlns:p14="http://schemas.microsoft.com/office/powerpoint/2010/main" val="4077080871"/>
+      </p:ext>
+    </p:extLst>
+  </p:cSld>
+  <p:clrMapOvr>
+    <a:masterClrMapping/>
+  </p:clrMapOvr>
+</p:sld>
+</file>
+
 <file path=ppt/theme/theme1.xml><?xml version="1.0" encoding="utf-8"?>
 <a:theme xmlns:a="http://schemas.openxmlformats.org/drawingml/2006/main" name="Office Theme">
   <a:themeElements>
